--- a/harmonia_specification_v2.pptx
+++ b/harmonia_specification_v2.pptx
@@ -273,7 +273,7 @@
           <a:p>
             <a:fld id="{CD6E6409-F88A-4DD1-8512-4C9263155243}" type="datetimeFigureOut">
               <a:rPr kumimoji="1" lang="ja-JP" altLang="en-US" smtClean="0"/>
-              <a:t>2023/7/24</a:t>
+              <a:t>2023/8/6</a:t>
             </a:fld>
             <a:endParaRPr kumimoji="1" lang="ja-JP" altLang="en-US"/>
           </a:p>
@@ -420,7 +420,7 @@
           <a:p>
             <a:fld id="{CD6E6409-F88A-4DD1-8512-4C9263155243}" type="datetimeFigureOut">
               <a:rPr kumimoji="1" lang="ja-JP" altLang="en-US" smtClean="0"/>
-              <a:t>2023/7/24</a:t>
+              <a:t>2023/8/6</a:t>
             </a:fld>
             <a:endParaRPr kumimoji="1" lang="ja-JP" altLang="en-US"/>
           </a:p>
@@ -656,7 +656,7 @@
           <a:p>
             <a:fld id="{CD6E6409-F88A-4DD1-8512-4C9263155243}" type="datetimeFigureOut">
               <a:rPr kumimoji="1" lang="ja-JP" altLang="en-US" smtClean="0"/>
-              <a:t>2023/7/24</a:t>
+              <a:t>2023/8/6</a:t>
             </a:fld>
             <a:endParaRPr kumimoji="1" lang="ja-JP" altLang="en-US"/>
           </a:p>
